--- a/Business/Organization/Leadership/Organization Leadership.pptx
+++ b/Business/Organization/Leadership/Organization Leadership.pptx
@@ -221,7 +221,7 @@
           <a:p>
             <a:fld id="{CB7AD89C-BB88-48A3-A1C9-D13CF625B286}" type="datetimeFigureOut">
               <a:rPr lang="en-US" smtClean="0"/>
-              <a:t>1/18/2020</a:t>
+              <a:t>1/19/2020</a:t>
             </a:fld>
             <a:endParaRPr lang="en-US" dirty="0"/>
           </a:p>
@@ -398,7 +398,7 @@
           <a:p>
             <a:fld id="{EFD09F21-8F1F-4129-8AEA-7EF5D9ADF331}" type="datetimeFigureOut">
               <a:rPr lang="en-US" smtClean="0"/>
-              <a:t>1/18/2020</a:t>
+              <a:t>1/19/2020</a:t>
             </a:fld>
             <a:endParaRPr lang="en-US" dirty="0"/>
           </a:p>
@@ -981,7 +981,7 @@
           <a:p>
             <a:fld id="{74929172-4BF7-429F-BA25-7E9D1A4215EE}" type="datetimeFigureOut">
               <a:rPr lang="en-US" noProof="0" smtClean="0"/>
-              <a:t>1/18/2020</a:t>
+              <a:t>1/19/2020</a:t>
             </a:fld>
             <a:endParaRPr lang="en-US" noProof="0" dirty="0"/>
           </a:p>
@@ -1319,7 +1319,7 @@
           <a:p>
             <a:fld id="{74929172-4BF7-429F-BA25-7E9D1A4215EE}" type="datetimeFigureOut">
               <a:rPr lang="en-US" noProof="0" smtClean="0"/>
-              <a:t>1/18/2020</a:t>
+              <a:t>1/19/2020</a:t>
             </a:fld>
             <a:endParaRPr lang="en-US" noProof="0" dirty="0"/>
           </a:p>
@@ -1596,7 +1596,7 @@
           <a:p>
             <a:fld id="{74929172-4BF7-429F-BA25-7E9D1A4215EE}" type="datetimeFigureOut">
               <a:rPr lang="en-US" noProof="0" smtClean="0"/>
-              <a:t>1/18/2020</a:t>
+              <a:t>1/19/2020</a:t>
             </a:fld>
             <a:endParaRPr lang="en-US" noProof="0" dirty="0"/>
           </a:p>
@@ -2163,7 +2163,7 @@
           <a:p>
             <a:fld id="{74929172-4BF7-429F-BA25-7E9D1A4215EE}" type="datetimeFigureOut">
               <a:rPr lang="en-US" noProof="0" smtClean="0"/>
-              <a:t>1/18/2020</a:t>
+              <a:t>1/19/2020</a:t>
             </a:fld>
             <a:endParaRPr lang="en-US" noProof="0" dirty="0"/>
           </a:p>
@@ -2440,7 +2440,7 @@
           <a:p>
             <a:fld id="{74929172-4BF7-429F-BA25-7E9D1A4215EE}" type="datetimeFigureOut">
               <a:rPr lang="en-US" noProof="0" smtClean="0"/>
-              <a:t>1/18/2020</a:t>
+              <a:t>1/19/2020</a:t>
             </a:fld>
             <a:endParaRPr lang="en-US" noProof="0" dirty="0"/>
           </a:p>
@@ -3001,7 +3001,7 @@
           <a:p>
             <a:fld id="{74929172-4BF7-429F-BA25-7E9D1A4215EE}" type="datetimeFigureOut">
               <a:rPr lang="en-US" noProof="0" smtClean="0"/>
-              <a:t>1/18/2020</a:t>
+              <a:t>1/19/2020</a:t>
             </a:fld>
             <a:endParaRPr lang="en-US" noProof="0" dirty="0"/>
           </a:p>
@@ -3327,7 +3327,7 @@
           <a:p>
             <a:fld id="{74929172-4BF7-429F-BA25-7E9D1A4215EE}" type="datetimeFigureOut">
               <a:rPr lang="en-US" noProof="0" smtClean="0"/>
-              <a:t>1/18/2020</a:t>
+              <a:t>1/19/2020</a:t>
             </a:fld>
             <a:endParaRPr lang="en-US" noProof="0" dirty="0"/>
           </a:p>
@@ -3503,7 +3503,7 @@
           <a:p>
             <a:fld id="{74929172-4BF7-429F-BA25-7E9D1A4215EE}" type="datetimeFigureOut">
               <a:rPr lang="en-US" noProof="0" smtClean="0"/>
-              <a:t>1/18/2020</a:t>
+              <a:t>1/19/2020</a:t>
             </a:fld>
             <a:endParaRPr lang="en-US" noProof="0" dirty="0"/>
           </a:p>
@@ -3738,7 +3738,7 @@
           <a:p>
             <a:fld id="{74929172-4BF7-429F-BA25-7E9D1A4215EE}" type="datetimeFigureOut">
               <a:rPr lang="en-US" noProof="0" smtClean="0"/>
-              <a:t>1/18/2020</a:t>
+              <a:t>1/19/2020</a:t>
             </a:fld>
             <a:endParaRPr lang="en-US" noProof="0" dirty="0"/>
           </a:p>
@@ -3941,7 +3941,7 @@
           <a:p>
             <a:fld id="{74929172-4BF7-429F-BA25-7E9D1A4215EE}" type="datetimeFigureOut">
               <a:rPr lang="en-US" noProof="0" smtClean="0"/>
-              <a:t>1/18/2020</a:t>
+              <a:t>1/19/2020</a:t>
             </a:fld>
             <a:endParaRPr lang="en-US" noProof="0" dirty="0"/>
           </a:p>
@@ -4216,7 +4216,7 @@
           <a:p>
             <a:fld id="{74929172-4BF7-429F-BA25-7E9D1A4215EE}" type="datetimeFigureOut">
               <a:rPr lang="en-US" noProof="0" smtClean="0"/>
-              <a:t>1/18/2020</a:t>
+              <a:t>1/19/2020</a:t>
             </a:fld>
             <a:endParaRPr lang="en-US" noProof="0" dirty="0"/>
           </a:p>
@@ -4484,7 +4484,7 @@
           <a:p>
             <a:fld id="{74929172-4BF7-429F-BA25-7E9D1A4215EE}" type="datetimeFigureOut">
               <a:rPr lang="en-US" noProof="0" smtClean="0"/>
-              <a:t>1/18/2020</a:t>
+              <a:t>1/19/2020</a:t>
             </a:fld>
             <a:endParaRPr lang="en-US" noProof="0" dirty="0"/>
           </a:p>
@@ -4855,7 +4855,7 @@
           <a:p>
             <a:fld id="{74929172-4BF7-429F-BA25-7E9D1A4215EE}" type="datetimeFigureOut">
               <a:rPr lang="en-US" noProof="0" smtClean="0"/>
-              <a:t>1/18/2020</a:t>
+              <a:t>1/19/2020</a:t>
             </a:fld>
             <a:endParaRPr lang="en-US" noProof="0" dirty="0"/>
           </a:p>
@@ -5002,7 +5002,7 @@
           <a:p>
             <a:fld id="{74929172-4BF7-429F-BA25-7E9D1A4215EE}" type="datetimeFigureOut">
               <a:rPr lang="en-US" noProof="0" smtClean="0"/>
-              <a:t>1/18/2020</a:t>
+              <a:t>1/19/2020</a:t>
             </a:fld>
             <a:endParaRPr lang="en-US" noProof="0" dirty="0"/>
           </a:p>
@@ -5127,7 +5127,7 @@
           <a:p>
             <a:fld id="{74929172-4BF7-429F-BA25-7E9D1A4215EE}" type="datetimeFigureOut">
               <a:rPr lang="en-US" noProof="0" smtClean="0"/>
-              <a:t>1/18/2020</a:t>
+              <a:t>1/19/2020</a:t>
             </a:fld>
             <a:endParaRPr lang="en-US" noProof="0" dirty="0"/>
           </a:p>
@@ -5415,7 +5415,7 @@
           <a:p>
             <a:fld id="{74929172-4BF7-429F-BA25-7E9D1A4215EE}" type="datetimeFigureOut">
               <a:rPr lang="en-US" noProof="0" smtClean="0"/>
-              <a:t>1/18/2020</a:t>
+              <a:t>1/19/2020</a:t>
             </a:fld>
             <a:endParaRPr lang="en-US" noProof="0" dirty="0"/>
           </a:p>
@@ -5743,7 +5743,7 @@
           <a:p>
             <a:fld id="{74929172-4BF7-429F-BA25-7E9D1A4215EE}" type="datetimeFigureOut">
               <a:rPr lang="en-US" noProof="0" smtClean="0"/>
-              <a:t>1/18/2020</a:t>
+              <a:t>1/19/2020</a:t>
             </a:fld>
             <a:endParaRPr lang="en-US" noProof="0" dirty="0"/>
           </a:p>
@@ -5955,7 +5955,7 @@
           <a:p>
             <a:fld id="{74929172-4BF7-429F-BA25-7E9D1A4215EE}" type="datetimeFigureOut">
               <a:rPr lang="en-US" noProof="0" smtClean="0"/>
-              <a:t>1/18/2020</a:t>
+              <a:t>1/19/2020</a:t>
             </a:fld>
             <a:endParaRPr lang="en-US" noProof="0" dirty="0"/>
           </a:p>
@@ -9505,6 +9505,23 @@
 </file>
 
 <file path=customXml/item1.xml><?xml version="1.0" encoding="utf-8"?>
+<p:properties xmlns:p="http://schemas.microsoft.com/office/2006/metadata/properties" xmlns:xsi="http://www.w3.org/2001/XMLSchema-instance" xmlns:pc="http://schemas.microsoft.com/office/infopath/2007/PartnerControls">
+  <documentManagement>
+    <MediaServiceKeyPoints xmlns="71af3243-3dd4-4a8d-8c0d-dd76da1f02a5" xsi:nil="true"/>
+  </documentManagement>
+</p:properties>
+</file>
+
+<file path=customXml/item2.xml><?xml version="1.0" encoding="utf-8"?>
+<?mso-contentType ?>
+<FormTemplates xmlns="http://schemas.microsoft.com/sharepoint/v3/contenttype/forms">
+  <Display>DocumentLibraryForm</Display>
+  <Edit>DocumentLibraryForm</Edit>
+  <New>DocumentLibraryForm</New>
+</FormTemplates>
+</file>
+
+<file path=customXml/item3.xml><?xml version="1.0" encoding="utf-8"?>
 <ct:contentTypeSchema xmlns:ct="http://schemas.microsoft.com/office/2006/metadata/contentType" xmlns:ma="http://schemas.microsoft.com/office/2006/metadata/properties/metaAttributes" ct:_="" ma:_="" ma:contentTypeName="Document" ma:contentTypeID="0x01010079F111ED35F8CC479449609E8A0923A6" ma:contentTypeVersion="11" ma:contentTypeDescription="Create a new document." ma:contentTypeScope="" ma:versionID="9677210f24a1be23c92c90fd886aa0aa">
   <xsd:schema xmlns:xsd="http://www.w3.org/2001/XMLSchema" xmlns:xs="http://www.w3.org/2001/XMLSchema" xmlns:p="http://schemas.microsoft.com/office/2006/metadata/properties" xmlns:ns2="71af3243-3dd4-4a8d-8c0d-dd76da1f02a5" xmlns:ns3="16c05727-aa75-4e4a-9b5f-8a80a1165891" targetNamespace="http://schemas.microsoft.com/office/2006/metadata/properties" ma:root="true" ma:fieldsID="60e05723c5c1908df1a1a4ebf11d344e" ns2:_="" ns3:_="">
     <xsd:import namespace="71af3243-3dd4-4a8d-8c0d-dd76da1f02a5"/>
@@ -9715,24 +9732,32 @@
 </ct:contentTypeSchema>
 </file>
 
-<file path=customXml/item2.xml><?xml version="1.0" encoding="utf-8"?>
-<?mso-contentType ?>
-<FormTemplates xmlns="http://schemas.microsoft.com/sharepoint/v3/contenttype/forms">
-  <Display>DocumentLibraryForm</Display>
-  <Edit>DocumentLibraryForm</Edit>
-  <New>DocumentLibraryForm</New>
-</FormTemplates>
+<file path=customXml/itemProps1.xml><?xml version="1.0" encoding="utf-8"?>
+<ds:datastoreItem xmlns:ds="http://schemas.openxmlformats.org/officeDocument/2006/customXml" ds:itemID="{3C2AD4FE-5267-4953-9D66-004581AED1F0}">
+  <ds:schemaRefs>
+    <ds:schemaRef ds:uri="http://schemas.microsoft.com/office/infopath/2007/PartnerControls"/>
+    <ds:schemaRef ds:uri="http://purl.org/dc/elements/1.1/"/>
+    <ds:schemaRef ds:uri="http://schemas.microsoft.com/office/2006/metadata/properties"/>
+    <ds:schemaRef ds:uri="http://purl.org/dc/terms/"/>
+    <ds:schemaRef ds:uri="http://schemas.microsoft.com/office/2006/documentManagement/types"/>
+    <ds:schemaRef ds:uri="16c05727-aa75-4e4a-9b5f-8a80a1165891"/>
+    <ds:schemaRef ds:uri="http://purl.org/dc/dcmitype/"/>
+    <ds:schemaRef ds:uri="http://schemas.openxmlformats.org/package/2006/metadata/core-properties"/>
+    <ds:schemaRef ds:uri="71af3243-3dd4-4a8d-8c0d-dd76da1f02a5"/>
+    <ds:schemaRef ds:uri="http://www.w3.org/XML/1998/namespace"/>
+  </ds:schemaRefs>
+</ds:datastoreItem>
 </file>
 
-<file path=customXml/item3.xml><?xml version="1.0" encoding="utf-8"?>
-<p:properties xmlns:p="http://schemas.microsoft.com/office/2006/metadata/properties" xmlns:xsi="http://www.w3.org/2001/XMLSchema-instance" xmlns:pc="http://schemas.microsoft.com/office/infopath/2007/PartnerControls">
-  <documentManagement>
-    <MediaServiceKeyPoints xmlns="71af3243-3dd4-4a8d-8c0d-dd76da1f02a5" xsi:nil="true"/>
-  </documentManagement>
-</p:properties>
+<file path=customXml/itemProps2.xml><?xml version="1.0" encoding="utf-8"?>
+<ds:datastoreItem xmlns:ds="http://schemas.openxmlformats.org/officeDocument/2006/customXml" ds:itemID="{9082A0F6-5C05-4A60-9DD8-B772877A4F89}">
+  <ds:schemaRefs>
+    <ds:schemaRef ds:uri="http://schemas.microsoft.com/sharepoint/v3/contenttype/forms"/>
+  </ds:schemaRefs>
+</ds:datastoreItem>
 </file>
 
-<file path=customXml/itemProps1.xml><?xml version="1.0" encoding="utf-8"?>
+<file path=customXml/itemProps3.xml><?xml version="1.0" encoding="utf-8"?>
 <ds:datastoreItem xmlns:ds="http://schemas.openxmlformats.org/officeDocument/2006/customXml" ds:itemID="{840DE65C-3715-41A1-996C-103EA7902D46}">
   <ds:schemaRefs>
     <ds:schemaRef ds:uri="http://schemas.microsoft.com/office/2006/metadata/contentType"/>
@@ -9749,29 +9774,4 @@
     <ds:schemaRef ds:uri="http://schemas.microsoft.com/internal/obd"/>
   </ds:schemaRefs>
 </ds:datastoreItem>
-</file>
-
-<file path=customXml/itemProps2.xml><?xml version="1.0" encoding="utf-8"?>
-<ds:datastoreItem xmlns:ds="http://schemas.openxmlformats.org/officeDocument/2006/customXml" ds:itemID="{9082A0F6-5C05-4A60-9DD8-B772877A4F89}">
-  <ds:schemaRefs>
-    <ds:schemaRef ds:uri="http://schemas.microsoft.com/sharepoint/v3/contenttype/forms"/>
-  </ds:schemaRefs>
-</ds:datastoreItem>
-</file>
-
-<file path=customXml/itemProps3.xml><?xml version="1.0" encoding="utf-8"?>
-<ds:datastoreItem xmlns:ds="http://schemas.openxmlformats.org/officeDocument/2006/customXml" ds:itemID="{3C2AD4FE-5267-4953-9D66-004581AED1F0}">
-  <ds:schemaRefs>
-    <ds:schemaRef ds:uri="http://schemas.microsoft.com/office/infopath/2007/PartnerControls"/>
-    <ds:schemaRef ds:uri="http://purl.org/dc/elements/1.1/"/>
-    <ds:schemaRef ds:uri="http://schemas.microsoft.com/office/2006/metadata/properties"/>
-    <ds:schemaRef ds:uri="http://purl.org/dc/terms/"/>
-    <ds:schemaRef ds:uri="http://schemas.microsoft.com/office/2006/documentManagement/types"/>
-    <ds:schemaRef ds:uri="16c05727-aa75-4e4a-9b5f-8a80a1165891"/>
-    <ds:schemaRef ds:uri="http://purl.org/dc/dcmitype/"/>
-    <ds:schemaRef ds:uri="http://schemas.openxmlformats.org/package/2006/metadata/core-properties"/>
-    <ds:schemaRef ds:uri="71af3243-3dd4-4a8d-8c0d-dd76da1f02a5"/>
-    <ds:schemaRef ds:uri="http://www.w3.org/XML/1998/namespace"/>
-  </ds:schemaRefs>
-</ds:datastoreItem>
 </file>